--- a/ImpactAnalyzer.pptx
+++ b/ImpactAnalyzer.pptx
@@ -5181,8 +5181,26 @@
             </a:r>
           </a:p>
           <a:p>
-            <a:pPr lvl="1"/>
-            <a:endParaRPr lang="en-US" dirty="0"/>
+            <a:pPr marL="457200" lvl="1" indent="0">
+              <a:buNone/>
+            </a:pPr>
+            <a:br>
+              <a:rPr lang="en-US" dirty="0"/>
+            </a:br>
+            <a:br>
+              <a:rPr lang="en-US" dirty="0"/>
+            </a:br>
+            <a:r>
+              <a:rPr lang="en-US" b="1" dirty="0"/>
+              <a:t>GitHub Repo:</a:t>
+            </a:r>
+            <a:br>
+              <a:rPr lang="en-US" dirty="0"/>
+            </a:br>
+            <a:r>
+              <a:rPr lang="en-US" dirty="0"/>
+              <a:t>https://github.com/asirjack-cyber/impact-analysis-engine</a:t>
+            </a:r>
           </a:p>
           <a:p>
             <a:pPr lvl="1"/>
